--- a/thesis/slides/slides.pptx
+++ b/thesis/slides/slides.pptx
@@ -19,30 +19,31 @@
     <p:sldId id="264" r:id="rId13"/>
     <p:sldId id="265" r:id="rId14"/>
     <p:sldId id="266" r:id="rId15"/>
+    <p:sldId id="267" r:id="rId16"/>
   </p:sldIdLst>
   <p:sldSz cy="5143500" cx="9144000"/>
   <p:notesSz cx="6858000" cy="9144000"/>
   <p:embeddedFontLst>
     <p:embeddedFont>
       <p:font typeface="Raleway"/>
-      <p:regular r:id="rId16"/>
-      <p:bold r:id="rId17"/>
-      <p:italic r:id="rId18"/>
-      <p:boldItalic r:id="rId19"/>
+      <p:regular r:id="rId17"/>
+      <p:bold r:id="rId18"/>
+      <p:italic r:id="rId19"/>
+      <p:boldItalic r:id="rId20"/>
     </p:embeddedFont>
     <p:embeddedFont>
       <p:font typeface="Lato"/>
-      <p:regular r:id="rId20"/>
-      <p:bold r:id="rId21"/>
-      <p:italic r:id="rId22"/>
-      <p:boldItalic r:id="rId23"/>
+      <p:regular r:id="rId21"/>
+      <p:bold r:id="rId22"/>
+      <p:italic r:id="rId23"/>
+      <p:boldItalic r:id="rId24"/>
     </p:embeddedFont>
     <p:embeddedFont>
       <p:font typeface="PT Sans"/>
-      <p:regular r:id="rId24"/>
-      <p:bold r:id="rId25"/>
-      <p:italic r:id="rId26"/>
-      <p:boldItalic r:id="rId27"/>
+      <p:regular r:id="rId25"/>
+      <p:bold r:id="rId26"/>
+      <p:italic r:id="rId27"/>
+      <p:boldItalic r:id="rId28"/>
     </p:embeddedFont>
   </p:embeddedFontLst>
   <p:defaultTextStyle>
@@ -517,7 +518,7 @@
   <p:cSld>
     <p:spTree>
       <p:nvGrpSpPr>
-        <p:cNvPr id="142" name="Shape 142"/>
+        <p:cNvPr id="138" name="Shape 138"/>
         <p:cNvGrpSpPr/>
         <p:nvPr/>
       </p:nvGrpSpPr>
@@ -531,7 +532,7 @@
       </p:grpSpPr>
       <p:sp>
         <p:nvSpPr>
-          <p:cNvPr id="143" name="Shape 143"/>
+          <p:cNvPr id="139" name="Shape 139"/>
           <p:cNvSpPr/>
           <p:nvPr>
             <p:ph idx="2" type="sldImg"/>
@@ -565,7 +566,7 @@
       </p:sp>
       <p:sp>
         <p:nvSpPr>
-          <p:cNvPr id="144" name="Shape 144"/>
+          <p:cNvPr id="140" name="Shape 140"/>
           <p:cNvSpPr txBox="1"/>
           <p:nvPr>
             <p:ph idx="1" type="body"/>
@@ -612,7 +613,7 @@
   <p:cSld>
     <p:spTree>
       <p:nvGrpSpPr>
-        <p:cNvPr id="148" name="Shape 148"/>
+        <p:cNvPr id="149" name="Shape 149"/>
         <p:cNvGrpSpPr/>
         <p:nvPr/>
       </p:nvGrpSpPr>
@@ -626,7 +627,7 @@
       </p:grpSpPr>
       <p:sp>
         <p:nvSpPr>
-          <p:cNvPr id="149" name="Shape 149"/>
+          <p:cNvPr id="150" name="Shape 150"/>
           <p:cNvSpPr/>
           <p:nvPr>
             <p:ph idx="2" type="sldImg"/>
@@ -660,7 +661,102 @@
       </p:sp>
       <p:sp>
         <p:nvSpPr>
-          <p:cNvPr id="150" name="Shape 150"/>
+          <p:cNvPr id="151" name="Shape 151"/>
+          <p:cNvSpPr txBox="1"/>
+          <p:nvPr>
+            <p:ph idx="1" type="body"/>
+          </p:nvPr>
+        </p:nvSpPr>
+        <p:spPr>
+          <a:xfrm>
+            <a:off x="685800" y="4343400"/>
+            <a:ext cx="5486400" cy="4114800"/>
+          </a:xfrm>
+          <a:prstGeom prst="rect">
+            <a:avLst/>
+          </a:prstGeom>
+        </p:spPr>
+        <p:txBody>
+          <a:bodyPr anchorCtr="0" anchor="t" bIns="91425" lIns="91425" rIns="91425" wrap="square" tIns="91425">
+            <a:noAutofit/>
+          </a:bodyPr>
+          <a:lstStyle/>
+          <a:p>
+            <a:pPr lvl="0">
+              <a:spcBef>
+                <a:spcPts val="0"/>
+              </a:spcBef>
+              <a:buNone/>
+            </a:pPr>
+            <a:r>
+              <a:t/>
+            </a:r>
+            <a:endParaRPr/>
+          </a:p>
+        </p:txBody>
+      </p:sp>
+    </p:spTree>
+  </p:cSld>
+  <p:clrMapOvr>
+    <a:masterClrMapping/>
+  </p:clrMapOvr>
+</p:notes>
+</file>
+
+<file path=ppt/notesSlides/notesSlide12.xml><?xml version="1.0" encoding="utf-8"?>
+<p:notes xmlns:a="http://schemas.openxmlformats.org/drawingml/2006/main" xmlns:r="http://schemas.openxmlformats.org/officeDocument/2006/relationships" xmlns:mc="http://schemas.openxmlformats.org/markup-compatibility/2006" xmlns:mv="urn:schemas-microsoft-com:mac:vml" xmlns:p="http://schemas.openxmlformats.org/presentationml/2006/main" xmlns:c="http://schemas.openxmlformats.org/drawingml/2006/chart" xmlns:dgm="http://schemas.openxmlformats.org/drawingml/2006/diagram" xmlns:o="urn:schemas-microsoft-com:office:office" xmlns:v="urn:schemas-microsoft-com:vml" xmlns:pvml="urn:schemas-microsoft-com:office:powerpoint" xmlns:com="http://schemas.openxmlformats.org/drawingml/2006/compatibility" xmlns:p14="http://schemas.microsoft.com/office/powerpoint/2010/main" xmlns:p15="http://schemas.microsoft.com/office/powerpoint/2012/main" showMasterPhAnim="0" showMasterSp="0">
+  <p:cSld>
+    <p:spTree>
+      <p:nvGrpSpPr>
+        <p:cNvPr id="161" name="Shape 161"/>
+        <p:cNvGrpSpPr/>
+        <p:nvPr/>
+      </p:nvGrpSpPr>
+      <p:grpSpPr>
+        <a:xfrm>
+          <a:off x="0" y="0"/>
+          <a:ext cx="0" cy="0"/>
+          <a:chOff x="0" y="0"/>
+          <a:chExt cx="0" cy="0"/>
+        </a:xfrm>
+      </p:grpSpPr>
+      <p:sp>
+        <p:nvSpPr>
+          <p:cNvPr id="162" name="Shape 162"/>
+          <p:cNvSpPr/>
+          <p:nvPr>
+            <p:ph idx="2" type="sldImg"/>
+          </p:nvPr>
+        </p:nvSpPr>
+        <p:spPr>
+          <a:xfrm>
+            <a:off x="381300" y="685800"/>
+            <a:ext cx="6096000" cy="3429000"/>
+          </a:xfrm>
+          <a:custGeom>
+            <a:pathLst>
+              <a:path extrusionOk="0" h="120000" w="120000">
+                <a:moveTo>
+                  <a:pt x="0" y="0"/>
+                </a:moveTo>
+                <a:lnTo>
+                  <a:pt x="120000" y="0"/>
+                </a:lnTo>
+                <a:lnTo>
+                  <a:pt x="120000" y="120000"/>
+                </a:lnTo>
+                <a:lnTo>
+                  <a:pt x="0" y="120000"/>
+                </a:lnTo>
+                <a:close/>
+              </a:path>
+            </a:pathLst>
+          </a:custGeom>
+        </p:spPr>
+      </p:sp>
+      <p:sp>
+        <p:nvSpPr>
+          <p:cNvPr id="163" name="Shape 163"/>
           <p:cNvSpPr txBox="1"/>
           <p:nvPr>
             <p:ph idx="1" type="body"/>
@@ -1277,7 +1373,7 @@
   <p:cSld>
     <p:spTree>
       <p:nvGrpSpPr>
-        <p:cNvPr id="124" name="Shape 124"/>
+        <p:cNvPr id="125" name="Shape 125"/>
         <p:cNvGrpSpPr/>
         <p:nvPr/>
       </p:nvGrpSpPr>
@@ -1291,7 +1387,7 @@
       </p:grpSpPr>
       <p:sp>
         <p:nvSpPr>
-          <p:cNvPr id="125" name="Shape 125"/>
+          <p:cNvPr id="126" name="Shape 126"/>
           <p:cNvSpPr/>
           <p:nvPr>
             <p:ph idx="2" type="sldImg"/>
@@ -1325,7 +1421,7 @@
       </p:sp>
       <p:sp>
         <p:nvSpPr>
-          <p:cNvPr id="126" name="Shape 126"/>
+          <p:cNvPr id="127" name="Shape 127"/>
           <p:cNvSpPr txBox="1"/>
           <p:nvPr>
             <p:ph idx="1" type="body"/>
@@ -6546,7 +6642,7 @@
   <p:cSld>
     <p:spTree>
       <p:nvGrpSpPr>
-        <p:cNvPr id="145" name="Shape 145"/>
+        <p:cNvPr id="141" name="Shape 141"/>
         <p:cNvGrpSpPr/>
         <p:nvPr/>
       </p:nvGrpSpPr>
@@ -6560,7 +6656,7 @@
       </p:grpSpPr>
       <p:sp>
         <p:nvSpPr>
-          <p:cNvPr id="146" name="Shape 146"/>
+          <p:cNvPr id="142" name="Shape 142"/>
           <p:cNvSpPr txBox="1"/>
           <p:nvPr>
             <p:ph type="title"/>
@@ -6568,7 +6664,7 @@
         </p:nvSpPr>
         <p:spPr>
           <a:xfrm>
-            <a:off x="729450" y="617300"/>
+            <a:off x="729450" y="564375"/>
             <a:ext cx="7688700" cy="535200"/>
           </a:xfrm>
           <a:prstGeom prst="rect">
@@ -6588,28 +6684,214 @@
               <a:buNone/>
             </a:pPr>
             <a:r>
-              <a:rPr lang="en-GB"/>
-              <a:t>Esempio ilp formulazione</a:t>
+              <a:rPr lang="en-GB" sz="2600">
+                <a:latin typeface="PT Sans"/>
+                <a:ea typeface="PT Sans"/>
+                <a:cs typeface="PT Sans"/>
+                <a:sym typeface="PT Sans"/>
+              </a:rPr>
+              <a:t>Idiomi di logica</a:t>
+            </a:r>
+            <a:r>
+              <a:rPr lang="en-GB">
+                <a:latin typeface="PT Sans"/>
+                <a:ea typeface="PT Sans"/>
+                <a:cs typeface="PT Sans"/>
+                <a:sym typeface="PT Sans"/>
+              </a:rPr>
+              <a:t> come disequazioni lineari</a:t>
+            </a:r>
+          </a:p>
+        </p:txBody>
+      </p:sp>
+      <p:pic>
+        <p:nvPicPr>
+          <p:cNvPr id="143" name="Shape 143"/>
+          <p:cNvPicPr preferRelativeResize="0"/>
+          <p:nvPr/>
+        </p:nvPicPr>
+        <p:blipFill>
+          <a:blip r:embed="rId3">
+            <a:alphaModFix/>
+          </a:blip>
+          <a:stretch>
+            <a:fillRect/>
+          </a:stretch>
+        </p:blipFill>
+        <p:spPr>
+          <a:xfrm>
+            <a:off x="766125" y="2259525"/>
+            <a:ext cx="2798550" cy="1360350"/>
+          </a:xfrm>
+          <a:prstGeom prst="rect">
+            <a:avLst/>
+          </a:prstGeom>
+          <a:noFill/>
+          <a:ln>
+            <a:noFill/>
+          </a:ln>
+        </p:spPr>
+      </p:pic>
+      <p:sp>
+        <p:nvSpPr>
+          <p:cNvPr id="144" name="Shape 144"/>
+          <p:cNvSpPr txBox="1"/>
+          <p:nvPr/>
+        </p:nvSpPr>
+        <p:spPr>
+          <a:xfrm>
+            <a:off x="621950" y="1481225"/>
+            <a:ext cx="2845200" cy="1458900"/>
+          </a:xfrm>
+          <a:prstGeom prst="rect">
+            <a:avLst/>
+          </a:prstGeom>
+          <a:noFill/>
+          <a:ln>
+            <a:noFill/>
+          </a:ln>
+        </p:spPr>
+        <p:txBody>
+          <a:bodyPr anchorCtr="0" anchor="t" bIns="91425" lIns="91425" rIns="91425" wrap="square" tIns="91425">
+            <a:noAutofit/>
+          </a:bodyPr>
+          <a:lstStyle/>
+          <a:p>
+            <a:pPr lvl="0" algn="ctr">
+              <a:spcBef>
+                <a:spcPts val="0"/>
+              </a:spcBef>
+              <a:buNone/>
+            </a:pPr>
+            <a:r>
+              <a:rPr lang="en-GB" sz="2400">
+                <a:latin typeface="PT Sans"/>
+                <a:ea typeface="PT Sans"/>
+                <a:cs typeface="PT Sans"/>
+                <a:sym typeface="PT Sans"/>
+              </a:rPr>
+              <a:t>If-Then</a:t>
+            </a:r>
+          </a:p>
+        </p:txBody>
+      </p:sp>
+      <p:pic>
+        <p:nvPicPr>
+          <p:cNvPr id="145" name="Shape 145"/>
+          <p:cNvPicPr preferRelativeResize="0"/>
+          <p:nvPr/>
+        </p:nvPicPr>
+        <p:blipFill>
+          <a:blip r:embed="rId4">
+            <a:alphaModFix/>
+          </a:blip>
+          <a:stretch>
+            <a:fillRect/>
+          </a:stretch>
+        </p:blipFill>
+        <p:spPr>
+          <a:xfrm>
+            <a:off x="5278579" y="2214497"/>
+            <a:ext cx="2539021" cy="535200"/>
+          </a:xfrm>
+          <a:prstGeom prst="rect">
+            <a:avLst/>
+          </a:prstGeom>
+          <a:noFill/>
+          <a:ln>
+            <a:noFill/>
+          </a:ln>
+        </p:spPr>
+      </p:pic>
+      <p:pic>
+        <p:nvPicPr>
+          <p:cNvPr id="146" name="Shape 146"/>
+          <p:cNvPicPr preferRelativeResize="0"/>
+          <p:nvPr/>
+        </p:nvPicPr>
+        <p:blipFill>
+          <a:blip r:embed="rId5">
+            <a:alphaModFix/>
+          </a:blip>
+          <a:stretch>
+            <a:fillRect/>
+          </a:stretch>
+        </p:blipFill>
+        <p:spPr>
+          <a:xfrm>
+            <a:off x="5264750" y="3056150"/>
+            <a:ext cx="2566674" cy="597300"/>
+          </a:xfrm>
+          <a:prstGeom prst="rect">
+            <a:avLst/>
+          </a:prstGeom>
+          <a:noFill/>
+          <a:ln>
+            <a:noFill/>
+          </a:ln>
+        </p:spPr>
+      </p:pic>
+      <p:sp>
+        <p:nvSpPr>
+          <p:cNvPr id="147" name="Shape 147"/>
+          <p:cNvSpPr txBox="1"/>
+          <p:nvPr/>
+        </p:nvSpPr>
+        <p:spPr>
+          <a:xfrm>
+            <a:off x="5125475" y="1481225"/>
+            <a:ext cx="2845200" cy="535200"/>
+          </a:xfrm>
+          <a:prstGeom prst="rect">
+            <a:avLst/>
+          </a:prstGeom>
+          <a:noFill/>
+          <a:ln>
+            <a:noFill/>
+          </a:ln>
+        </p:spPr>
+        <p:txBody>
+          <a:bodyPr anchorCtr="0" anchor="t" bIns="91425" lIns="91425" rIns="91425" wrap="square" tIns="91425">
+            <a:noAutofit/>
+          </a:bodyPr>
+          <a:lstStyle/>
+          <a:p>
+            <a:pPr lvl="0" rtl="0" algn="ctr">
+              <a:spcBef>
+                <a:spcPts val="0"/>
+              </a:spcBef>
+              <a:buNone/>
+            </a:pPr>
+            <a:r>
+              <a:rPr lang="en-GB" sz="2400">
+                <a:latin typeface="PT Sans"/>
+                <a:ea typeface="PT Sans"/>
+                <a:cs typeface="PT Sans"/>
+                <a:sym typeface="PT Sans"/>
+              </a:rPr>
+              <a:t>Only-If</a:t>
             </a:r>
           </a:p>
         </p:txBody>
       </p:sp>
       <p:sp>
         <p:nvSpPr>
-          <p:cNvPr id="147" name="Shape 147"/>
+          <p:cNvPr id="148" name="Shape 148"/>
           <p:cNvSpPr txBox="1"/>
-          <p:nvPr>
-            <p:ph idx="1" type="body"/>
-          </p:nvPr>
+          <p:nvPr/>
         </p:nvSpPr>
         <p:spPr>
           <a:xfrm>
-            <a:off x="729450" y="2078875"/>
-            <a:ext cx="7688700" cy="2261100"/>
+            <a:off x="729450" y="3959900"/>
+            <a:ext cx="7382400" cy="873900"/>
           </a:xfrm>
           <a:prstGeom prst="rect">
             <a:avLst/>
           </a:prstGeom>
+          <a:noFill/>
+          <a:ln>
+            <a:noFill/>
+          </a:ln>
         </p:spPr>
         <p:txBody>
           <a:bodyPr anchorCtr="0" anchor="t" bIns="91425" lIns="91425" rIns="91425" wrap="square" tIns="91425">
@@ -6624,9 +6906,53 @@
               <a:buNone/>
             </a:pPr>
             <a:r>
-              <a:t/>
-            </a:r>
-            <a:endParaRPr/>
+              <a:rPr lang="en-GB"/>
+              <a:t>Con </a:t>
+            </a:r>
+            <a:r>
+              <a:rPr b="1" i="1" lang="en-GB"/>
+              <a:t>L</a:t>
+            </a:r>
+            <a:r>
+              <a:rPr lang="en-GB"/>
+              <a:t> funzione lineare limitata superiormente da </a:t>
+            </a:r>
+            <a:r>
+              <a:rPr b="1" i="1" lang="en-GB"/>
+              <a:t>M, </a:t>
+            </a:r>
+            <a:r>
+              <a:rPr lang="en-GB"/>
+              <a:t>inferiormente da </a:t>
+            </a:r>
+            <a:r>
+              <a:rPr b="1" i="1" lang="en-GB"/>
+              <a:t>s </a:t>
+            </a:r>
+            <a:r>
+              <a:rPr lang="en-GB"/>
+              <a:t>con</a:t>
+            </a:r>
+            <a:r>
+              <a:rPr b="1" i="1" lang="en-GB"/>
+              <a:t> m = s - b. </a:t>
+            </a:r>
+          </a:p>
+          <a:p>
+            <a:pPr lvl="0">
+              <a:spcBef>
+                <a:spcPts val="0"/>
+              </a:spcBef>
+              <a:buNone/>
+            </a:pPr>
+            <a:r>
+              <a:rPr b="1" i="1" lang="en-GB"/>
+              <a:t>b</a:t>
+            </a:r>
+            <a:r>
+              <a:rPr lang="en-GB"/>
+              <a:t> numero positivo intero.</a:t>
+            </a:r>
           </a:p>
         </p:txBody>
       </p:sp>
@@ -6643,7 +6969,7 @@
   <p:cSld>
     <p:spTree>
       <p:nvGrpSpPr>
-        <p:cNvPr id="151" name="Shape 151"/>
+        <p:cNvPr id="152" name="Shape 152"/>
         <p:cNvGrpSpPr/>
         <p:nvPr/>
       </p:nvGrpSpPr>
@@ -6657,7 +6983,7 @@
       </p:grpSpPr>
       <p:sp>
         <p:nvSpPr>
-          <p:cNvPr id="152" name="Shape 152"/>
+          <p:cNvPr id="153" name="Shape 153"/>
           <p:cNvSpPr txBox="1"/>
           <p:nvPr>
             <p:ph type="title"/>
@@ -6665,8 +6991,8 @@
         </p:nvSpPr>
         <p:spPr>
           <a:xfrm>
-            <a:off x="729450" y="1318650"/>
-            <a:ext cx="7688400" cy="535200"/>
+            <a:off x="729450" y="602725"/>
+            <a:ext cx="7688700" cy="535200"/>
           </a:xfrm>
           <a:prstGeom prst="rect">
             <a:avLst/>
@@ -6691,7 +7017,375 @@
                 <a:cs typeface="PT Sans"/>
                 <a:sym typeface="PT Sans"/>
               </a:rPr>
+              <a:t>Alcuni idiomi della formulazione proposta</a:t>
+            </a:r>
+          </a:p>
+        </p:txBody>
+      </p:sp>
+      <p:pic>
+        <p:nvPicPr>
+          <p:cNvPr id="154" name="Shape 154"/>
+          <p:cNvPicPr preferRelativeResize="0"/>
+          <p:nvPr/>
+        </p:nvPicPr>
+        <p:blipFill>
+          <a:blip r:embed="rId3">
+            <a:alphaModFix/>
+          </a:blip>
+          <a:stretch>
+            <a:fillRect/>
+          </a:stretch>
+        </p:blipFill>
+        <p:spPr>
+          <a:xfrm>
+            <a:off x="326150" y="1951325"/>
+            <a:ext cx="4699175" cy="604100"/>
+          </a:xfrm>
+          <a:prstGeom prst="rect">
+            <a:avLst/>
+          </a:prstGeom>
+          <a:noFill/>
+          <a:ln>
+            <a:noFill/>
+          </a:ln>
+        </p:spPr>
+      </p:pic>
+      <p:sp>
+        <p:nvSpPr>
+          <p:cNvPr id="155" name="Shape 155"/>
+          <p:cNvSpPr txBox="1"/>
+          <p:nvPr>
+            <p:ph idx="1" type="body"/>
+          </p:nvPr>
+        </p:nvSpPr>
+        <p:spPr>
+          <a:xfrm>
+            <a:off x="242900" y="1522200"/>
+            <a:ext cx="7688700" cy="429000"/>
+          </a:xfrm>
+          <a:prstGeom prst="rect">
+            <a:avLst/>
+          </a:prstGeom>
+        </p:spPr>
+        <p:txBody>
+          <a:bodyPr anchorCtr="0" anchor="t" bIns="91425" lIns="91425" rIns="91425" wrap="square" tIns="91425">
+            <a:noAutofit/>
+          </a:bodyPr>
+          <a:lstStyle/>
+          <a:p>
+            <a:pPr lvl="0">
+              <a:spcBef>
+                <a:spcPts val="0"/>
+              </a:spcBef>
+              <a:buNone/>
+            </a:pPr>
+            <a:r>
+              <a:rPr b="1" lang="en-GB"/>
+              <a:t>Variabili</a:t>
+            </a:r>
+          </a:p>
+        </p:txBody>
+      </p:sp>
+      <p:pic>
+        <p:nvPicPr>
+          <p:cNvPr id="156" name="Shape 156"/>
+          <p:cNvPicPr preferRelativeResize="0"/>
+          <p:nvPr/>
+        </p:nvPicPr>
+        <p:blipFill>
+          <a:blip r:embed="rId4">
+            <a:alphaModFix/>
+          </a:blip>
+          <a:stretch>
+            <a:fillRect/>
+          </a:stretch>
+        </p:blipFill>
+        <p:spPr>
+          <a:xfrm>
+            <a:off x="5441875" y="2624488"/>
+            <a:ext cx="3529575" cy="635450"/>
+          </a:xfrm>
+          <a:prstGeom prst="rect">
+            <a:avLst/>
+          </a:prstGeom>
+          <a:noFill/>
+          <a:ln cap="flat" cmpd="sng" w="19050">
+            <a:solidFill>
+              <a:srgbClr val="38761D"/>
+            </a:solidFill>
+            <a:prstDash val="solid"/>
+            <a:round/>
+            <a:headEnd len="med" w="med" type="none"/>
+            <a:tailEnd len="med" w="med" type="none"/>
+          </a:ln>
+        </p:spPr>
+      </p:pic>
+      <p:pic>
+        <p:nvPicPr>
+          <p:cNvPr id="157" name="Shape 157"/>
+          <p:cNvPicPr preferRelativeResize="0"/>
+          <p:nvPr/>
+        </p:nvPicPr>
+        <p:blipFill>
+          <a:blip r:embed="rId5">
+            <a:alphaModFix/>
+          </a:blip>
+          <a:stretch>
+            <a:fillRect/>
+          </a:stretch>
+        </p:blipFill>
+        <p:spPr>
+          <a:xfrm>
+            <a:off x="326150" y="3701950"/>
+            <a:ext cx="5964049" cy="497650"/>
+          </a:xfrm>
+          <a:prstGeom prst="rect">
+            <a:avLst/>
+          </a:prstGeom>
+          <a:noFill/>
+          <a:ln>
+            <a:noFill/>
+          </a:ln>
+        </p:spPr>
+      </p:pic>
+      <p:sp>
+        <p:nvSpPr>
+          <p:cNvPr id="158" name="Shape 158"/>
+          <p:cNvSpPr txBox="1"/>
+          <p:nvPr>
+            <p:ph idx="1" type="body"/>
+          </p:nvPr>
+        </p:nvSpPr>
+        <p:spPr>
+          <a:xfrm>
+            <a:off x="326150" y="3329000"/>
+            <a:ext cx="7688700" cy="429000"/>
+          </a:xfrm>
+          <a:prstGeom prst="rect">
+            <a:avLst/>
+          </a:prstGeom>
+        </p:spPr>
+        <p:txBody>
+          <a:bodyPr anchorCtr="0" anchor="t" bIns="91425" lIns="91425" rIns="91425" wrap="square" tIns="91425">
+            <a:noAutofit/>
+          </a:bodyPr>
+          <a:lstStyle/>
+          <a:p>
+            <a:pPr lvl="0" rtl="0">
+              <a:spcBef>
+                <a:spcPts val="0"/>
+              </a:spcBef>
+              <a:buNone/>
+            </a:pPr>
+            <a:r>
+              <a:rPr b="1" lang="en-GB"/>
+              <a:t>Vincoli</a:t>
+            </a:r>
+          </a:p>
+        </p:txBody>
+      </p:sp>
+      <p:pic>
+        <p:nvPicPr>
+          <p:cNvPr id="159" name="Shape 159"/>
+          <p:cNvPicPr preferRelativeResize="0"/>
+          <p:nvPr/>
+        </p:nvPicPr>
+        <p:blipFill>
+          <a:blip r:embed="rId6">
+            <a:alphaModFix/>
+          </a:blip>
+          <a:stretch>
+            <a:fillRect/>
+          </a:stretch>
+        </p:blipFill>
+        <p:spPr>
+          <a:xfrm>
+            <a:off x="659775" y="2598625"/>
+            <a:ext cx="3529575" cy="687174"/>
+          </a:xfrm>
+          <a:prstGeom prst="rect">
+            <a:avLst/>
+          </a:prstGeom>
+          <a:noFill/>
+          <a:ln>
+            <a:noFill/>
+          </a:ln>
+        </p:spPr>
+      </p:pic>
+      <p:pic>
+        <p:nvPicPr>
+          <p:cNvPr id="160" name="Shape 160"/>
+          <p:cNvPicPr preferRelativeResize="0"/>
+          <p:nvPr/>
+        </p:nvPicPr>
+        <p:blipFill>
+          <a:blip r:embed="rId7">
+            <a:alphaModFix/>
+          </a:blip>
+          <a:stretch>
+            <a:fillRect/>
+          </a:stretch>
+        </p:blipFill>
+        <p:spPr>
+          <a:xfrm>
+            <a:off x="284450" y="4251925"/>
+            <a:ext cx="2859525" cy="635450"/>
+          </a:xfrm>
+          <a:prstGeom prst="rect">
+            <a:avLst/>
+          </a:prstGeom>
+          <a:noFill/>
+          <a:ln>
+            <a:noFill/>
+          </a:ln>
+        </p:spPr>
+      </p:pic>
+    </p:spTree>
+  </p:cSld>
+  <p:clrMapOvr>
+    <a:masterClrMapping/>
+  </p:clrMapOvr>
+</p:sld>
+</file>
+
+<file path=ppt/slides/slide12.xml><?xml version="1.0" encoding="utf-8"?>
+<p:sld xmlns:a="http://schemas.openxmlformats.org/drawingml/2006/main" xmlns:r="http://schemas.openxmlformats.org/officeDocument/2006/relationships" xmlns:mc="http://schemas.openxmlformats.org/markup-compatibility/2006" xmlns:mv="urn:schemas-microsoft-com:mac:vml" xmlns:p="http://schemas.openxmlformats.org/presentationml/2006/main" xmlns:c="http://schemas.openxmlformats.org/drawingml/2006/chart" xmlns:dgm="http://schemas.openxmlformats.org/drawingml/2006/diagram" xmlns:o="urn:schemas-microsoft-com:office:office" xmlns:v="urn:schemas-microsoft-com:vml" xmlns:pvml="urn:schemas-microsoft-com:office:powerpoint" xmlns:com="http://schemas.openxmlformats.org/drawingml/2006/compatibility" xmlns:p14="http://schemas.microsoft.com/office/powerpoint/2010/main" xmlns:p15="http://schemas.microsoft.com/office/powerpoint/2012/main">
+  <p:cSld>
+    <p:spTree>
+      <p:nvGrpSpPr>
+        <p:cNvPr id="164" name="Shape 164"/>
+        <p:cNvGrpSpPr/>
+        <p:nvPr/>
+      </p:nvGrpSpPr>
+      <p:grpSpPr>
+        <a:xfrm>
+          <a:off x="0" y="0"/>
+          <a:ext cx="0" cy="0"/>
+          <a:chOff x="0" y="0"/>
+          <a:chExt cx="0" cy="0"/>
+        </a:xfrm>
+      </p:grpSpPr>
+      <p:sp>
+        <p:nvSpPr>
+          <p:cNvPr id="165" name="Shape 165"/>
+          <p:cNvSpPr txBox="1"/>
+          <p:nvPr>
+            <p:ph type="title"/>
+          </p:nvPr>
+        </p:nvSpPr>
+        <p:spPr>
+          <a:xfrm>
+            <a:off x="729450" y="602725"/>
+            <a:ext cx="7688700" cy="535200"/>
+          </a:xfrm>
+          <a:prstGeom prst="rect">
+            <a:avLst/>
+          </a:prstGeom>
+        </p:spPr>
+        <p:txBody>
+          <a:bodyPr anchorCtr="0" anchor="t" bIns="91425" lIns="91425" rIns="91425" wrap="square" tIns="91425">
+            <a:noAutofit/>
+          </a:bodyPr>
+          <a:lstStyle/>
+          <a:p>
+            <a:pPr lvl="0">
+              <a:spcBef>
+                <a:spcPts val="0"/>
+              </a:spcBef>
+              <a:buNone/>
+            </a:pPr>
+            <a:r>
+              <a:rPr lang="en-GB">
+                <a:latin typeface="PT Sans"/>
+                <a:ea typeface="PT Sans"/>
+                <a:cs typeface="PT Sans"/>
+                <a:sym typeface="PT Sans"/>
+              </a:rPr>
               <a:t>Conclusioni</a:t>
+            </a:r>
+          </a:p>
+        </p:txBody>
+      </p:sp>
+      <p:sp>
+        <p:nvSpPr>
+          <p:cNvPr id="166" name="Shape 166"/>
+          <p:cNvSpPr txBox="1"/>
+          <p:nvPr>
+            <p:ph idx="1" type="body"/>
+          </p:nvPr>
+        </p:nvSpPr>
+        <p:spPr>
+          <a:xfrm>
+            <a:off x="727650" y="1641000"/>
+            <a:ext cx="7688700" cy="2261100"/>
+          </a:xfrm>
+          <a:prstGeom prst="rect">
+            <a:avLst/>
+          </a:prstGeom>
+        </p:spPr>
+        <p:txBody>
+          <a:bodyPr anchorCtr="0" anchor="t" bIns="91425" lIns="91425" rIns="91425" wrap="square" tIns="91425">
+            <a:noAutofit/>
+          </a:bodyPr>
+          <a:lstStyle/>
+          <a:p>
+            <a:pPr lvl="0">
+              <a:spcBef>
+                <a:spcPts val="0"/>
+              </a:spcBef>
+              <a:buNone/>
+            </a:pPr>
+            <a:r>
+              <a:rPr lang="en-GB" sz="1600"/>
+              <a:t>Approcci ibridi</a:t>
+            </a:r>
+          </a:p>
+          <a:p>
+            <a:pPr lvl="0">
+              <a:spcBef>
+                <a:spcPts val="0"/>
+              </a:spcBef>
+              <a:buNone/>
+            </a:pPr>
+            <a:r>
+              <a:rPr lang="en-GB" sz="1600"/>
+              <a:t>Maggiori dettagli sul processo biologico</a:t>
+            </a:r>
+          </a:p>
+          <a:p>
+            <a:pPr lvl="0">
+              <a:spcBef>
+                <a:spcPts val="0"/>
+              </a:spcBef>
+              <a:buNone/>
+            </a:pPr>
+            <a:r>
+              <a:rPr lang="en-GB" sz="1600"/>
+              <a:t>Panoramica dei metodi utilizzati</a:t>
+            </a:r>
+          </a:p>
+          <a:p>
+            <a:pPr lvl="0">
+              <a:spcBef>
+                <a:spcPts val="0"/>
+              </a:spcBef>
+              <a:buNone/>
+            </a:pPr>
+            <a:r>
+              <a:rPr lang="en-GB" sz="1600"/>
+              <a:t>Costruzione di software che genera proceduralmente istanze con le volute caratteristiche e le pre-processa</a:t>
+            </a:r>
+          </a:p>
+          <a:p>
+            <a:pPr lvl="0">
+              <a:spcBef>
+                <a:spcPts val="0"/>
+              </a:spcBef>
+              <a:buNone/>
+            </a:pPr>
+            <a:r>
+              <a:rPr lang="en-GB" sz="1600"/>
+              <a:t>Formato per l’annotazione di mappe di riarrangiamento</a:t>
             </a:r>
           </a:p>
         </p:txBody>
@@ -7000,6 +7694,30 @@
             <a:r>
               <a:rPr lang="en-GB"/>
               <a:t>Strutture e funzione delle proteine</a:t>
+            </a:r>
+          </a:p>
+          <a:p>
+            <a:pPr lvl="0">
+              <a:spcBef>
+                <a:spcPts val="0"/>
+              </a:spcBef>
+              <a:buNone/>
+            </a:pPr>
+            <a:r>
+              <a:t/>
+            </a:r>
+            <a:endParaRPr/>
+          </a:p>
+          <a:p>
+            <a:pPr lvl="0">
+              <a:spcBef>
+                <a:spcPts val="0"/>
+              </a:spcBef>
+              <a:buNone/>
+            </a:pPr>
+            <a:r>
+              <a:rPr lang="en-GB"/>
+              <a:t>TODO</a:t>
             </a:r>
           </a:p>
           <a:p>
@@ -7431,7 +8149,7 @@
               <a:buNone/>
             </a:pPr>
             <a:r>
-              <a:rPr lang="en-GB">
+              <a:rPr lang="en-GB" sz="3000">
                 <a:latin typeface="PT Sans"/>
                 <a:ea typeface="PT Sans"/>
                 <a:cs typeface="PT Sans"/>
@@ -7483,8 +8201,8 @@
         </p:blipFill>
         <p:spPr>
           <a:xfrm>
-            <a:off x="1042975" y="1626800"/>
-            <a:ext cx="7058025" cy="2419350"/>
+            <a:off x="405525" y="1633750"/>
+            <a:ext cx="8332951" cy="2856375"/>
           </a:xfrm>
           <a:prstGeom prst="rect">
             <a:avLst/>
@@ -7495,6 +8213,47 @@
           </a:ln>
         </p:spPr>
       </p:pic>
+      <p:sp>
+        <p:nvSpPr>
+          <p:cNvPr id="124" name="Shape 124"/>
+          <p:cNvSpPr txBox="1"/>
+          <p:nvPr>
+            <p:ph type="title"/>
+          </p:nvPr>
+        </p:nvSpPr>
+        <p:spPr>
+          <a:xfrm>
+            <a:off x="767525" y="628500"/>
+            <a:ext cx="4700400" cy="535200"/>
+          </a:xfrm>
+          <a:prstGeom prst="rect">
+            <a:avLst/>
+          </a:prstGeom>
+        </p:spPr>
+        <p:txBody>
+          <a:bodyPr anchorCtr="0" anchor="t" bIns="91425" lIns="91425" rIns="91425" wrap="square" tIns="91425">
+            <a:noAutofit/>
+          </a:bodyPr>
+          <a:lstStyle/>
+          <a:p>
+            <a:pPr lvl="0" rtl="0">
+              <a:spcBef>
+                <a:spcPts val="0"/>
+              </a:spcBef>
+              <a:buNone/>
+            </a:pPr>
+            <a:r>
+              <a:rPr lang="en-GB" sz="3000">
+                <a:latin typeface="PT Sans"/>
+                <a:ea typeface="PT Sans"/>
+                <a:cs typeface="PT Sans"/>
+                <a:sym typeface="PT Sans"/>
+              </a:rPr>
+              <a:t>Eventi possibili</a:t>
+            </a:r>
+          </a:p>
+        </p:txBody>
+      </p:sp>
     </p:spTree>
   </p:cSld>
   <p:clrMapOvr>
@@ -7508,7 +8267,7 @@
   <p:cSld>
     <p:spTree>
       <p:nvGrpSpPr>
-        <p:cNvPr id="127" name="Shape 127"/>
+        <p:cNvPr id="128" name="Shape 128"/>
         <p:cNvGrpSpPr/>
         <p:nvPr/>
       </p:nvGrpSpPr>
@@ -7522,7 +8281,7 @@
       </p:grpSpPr>
       <p:sp>
         <p:nvSpPr>
-          <p:cNvPr id="128" name="Shape 128"/>
+          <p:cNvPr id="129" name="Shape 129"/>
           <p:cNvSpPr txBox="1"/>
           <p:nvPr>
             <p:ph type="title"/>
@@ -7530,7 +8289,7 @@
         </p:nvSpPr>
         <p:spPr>
           <a:xfrm>
-            <a:off x="727650" y="562250"/>
+            <a:off x="727650" y="590825"/>
             <a:ext cx="7688700" cy="535200"/>
           </a:xfrm>
           <a:prstGeom prst="rect">
@@ -7550,61 +8309,22 @@
               <a:buNone/>
             </a:pPr>
             <a:r>
-              <a:rPr lang="en-GB">
+              <a:rPr lang="en-GB" sz="3000">
                 <a:latin typeface="PT Sans"/>
                 <a:ea typeface="PT Sans"/>
                 <a:cs typeface="PT Sans"/>
                 <a:sym typeface="PT Sans"/>
               </a:rPr>
-              <a:t>Programmazione Lineare Intera</a:t>
-            </a:r>
-          </a:p>
-        </p:txBody>
-      </p:sp>
-      <p:sp>
-        <p:nvSpPr>
-          <p:cNvPr id="129" name="Shape 129"/>
-          <p:cNvSpPr txBox="1"/>
-          <p:nvPr>
-            <p:ph idx="1" type="body"/>
-          </p:nvPr>
-        </p:nvSpPr>
-        <p:spPr>
-          <a:xfrm>
-            <a:off x="727650" y="1525954"/>
-            <a:ext cx="4536900" cy="3436500"/>
-          </a:xfrm>
-          <a:prstGeom prst="rect">
-            <a:avLst/>
-          </a:prstGeom>
-        </p:spPr>
-        <p:txBody>
-          <a:bodyPr anchorCtr="0" anchor="t" bIns="91425" lIns="91425" rIns="91425" wrap="square" tIns="91425">
-            <a:noAutofit/>
-          </a:bodyPr>
-          <a:lstStyle/>
-          <a:p>
-            <a:pPr lvl="0">
-              <a:spcBef>
-                <a:spcPts val="0"/>
-              </a:spcBef>
-              <a:buNone/>
-            </a:pPr>
-            <a:r>
-              <a:rPr b="1" lang="en-GB" sz="1800"/>
-              <a:t>NP HARD</a:t>
-            </a:r>
-            <a:r>
-              <a:rPr lang="en-GB" sz="1800"/>
-              <a:t> I problemi di Programmazione Lineare Intera sono molto più </a:t>
-            </a:r>
-            <a:r>
-              <a:rPr i="1" lang="en-GB" sz="1800"/>
-              <a:t>difficili</a:t>
-            </a:r>
-            <a:r>
-              <a:rPr lang="en-GB" sz="1800"/>
-              <a:t> di quelli di Programmazione Lineare. Nessun algoritmo di soluzione generale è conosciuto.</a:t>
+              <a:t>Sezioni di </a:t>
+            </a:r>
+            <a:r>
+              <a:rPr lang="en-GB" sz="3000">
+                <a:latin typeface="PT Sans"/>
+                <a:ea typeface="PT Sans"/>
+                <a:cs typeface="PT Sans"/>
+                <a:sym typeface="PT Sans"/>
+              </a:rPr>
+              <a:t>sovrapposizione</a:t>
             </a:r>
           </a:p>
           <a:p>
@@ -7615,29 +8335,21 @@
               <a:buNone/>
             </a:pPr>
             <a:r>
-              <a:rPr b="1" lang="en-GB" sz="1800"/>
-              <a:t>Strumento</a:t>
-            </a:r>
-            <a:r>
-              <a:rPr lang="en-GB" sz="1800"/>
-              <a:t> per descrivere,riformulare problemi in bioinformatica</a:t>
-            </a:r>
+              <a:t/>
+            </a:r>
+            <a:endParaRPr/>
           </a:p>
           <a:p>
-            <a:pPr lvl="0">
+            <a:pPr lvl="0" rtl="0">
               <a:spcBef>
                 <a:spcPts val="0"/>
               </a:spcBef>
               <a:buNone/>
             </a:pPr>
             <a:r>
-              <a:rPr b="1" lang="en-GB" sz="1800"/>
-              <a:t>Algoritmi</a:t>
-            </a:r>
-            <a:r>
-              <a:rPr lang="en-GB" sz="1800"/>
-              <a:t> Esatti, Euristici e Approssimativi</a:t>
-            </a:r>
+              <a:t/>
+            </a:r>
+            <a:endParaRPr/>
           </a:p>
         </p:txBody>
       </p:sp>
@@ -7657,8 +8369,8 @@
         </p:blipFill>
         <p:spPr>
           <a:xfrm>
-            <a:off x="5334675" y="2078863"/>
-            <a:ext cx="3733800" cy="1495425"/>
+            <a:off x="2119313" y="2165075"/>
+            <a:ext cx="4905375" cy="1466850"/>
           </a:xfrm>
           <a:prstGeom prst="rect">
             <a:avLst/>
@@ -7704,7 +8416,7 @@
         </p:nvSpPr>
         <p:spPr>
           <a:xfrm>
-            <a:off x="729450" y="564375"/>
+            <a:off x="727650" y="562250"/>
             <a:ext cx="7688700" cy="535200"/>
           </a:xfrm>
           <a:prstGeom prst="rect">
@@ -7724,20 +8436,100 @@
               <a:buNone/>
             </a:pPr>
             <a:r>
-              <a:rPr lang="en-GB" sz="2600">
+              <a:rPr lang="en-GB">
                 <a:latin typeface="PT Sans"/>
                 <a:ea typeface="PT Sans"/>
                 <a:cs typeface="PT Sans"/>
                 <a:sym typeface="PT Sans"/>
               </a:rPr>
-              <a:t>Idiomi di Logica in PLI</a:t>
+              <a:t>Programmazione Lineare Intera</a:t>
+            </a:r>
+          </a:p>
+        </p:txBody>
+      </p:sp>
+      <p:sp>
+        <p:nvSpPr>
+          <p:cNvPr id="136" name="Shape 136"/>
+          <p:cNvSpPr txBox="1"/>
+          <p:nvPr>
+            <p:ph idx="1" type="body"/>
+          </p:nvPr>
+        </p:nvSpPr>
+        <p:spPr>
+          <a:xfrm>
+            <a:off x="727650" y="1525954"/>
+            <a:ext cx="4536900" cy="3436500"/>
+          </a:xfrm>
+          <a:prstGeom prst="rect">
+            <a:avLst/>
+          </a:prstGeom>
+        </p:spPr>
+        <p:txBody>
+          <a:bodyPr anchorCtr="0" anchor="t" bIns="91425" lIns="91425" rIns="91425" wrap="square" tIns="91425">
+            <a:noAutofit/>
+          </a:bodyPr>
+          <a:lstStyle/>
+          <a:p>
+            <a:pPr lvl="0">
+              <a:spcBef>
+                <a:spcPts val="0"/>
+              </a:spcBef>
+              <a:buNone/>
+            </a:pPr>
+            <a:r>
+              <a:rPr b="1" lang="en-GB" sz="1800"/>
+              <a:t>NP HARD</a:t>
+            </a:r>
+            <a:r>
+              <a:rPr lang="en-GB" sz="1800"/>
+              <a:t> I problemi di Programmazione Lineare Intera sono molto più </a:t>
+            </a:r>
+            <a:r>
+              <a:rPr i="1" lang="en-GB" sz="1800"/>
+              <a:t>difficili</a:t>
+            </a:r>
+            <a:r>
+              <a:rPr lang="en-GB" sz="1800"/>
+              <a:t> di quelli di Programmazione Lineare. Nessun algoritmo di soluzione generale è conosciuto.</a:t>
+            </a:r>
+          </a:p>
+          <a:p>
+            <a:pPr lvl="0">
+              <a:spcBef>
+                <a:spcPts val="0"/>
+              </a:spcBef>
+              <a:buNone/>
+            </a:pPr>
+            <a:r>
+              <a:rPr b="1" lang="en-GB" sz="1800"/>
+              <a:t>Strumento</a:t>
+            </a:r>
+            <a:r>
+              <a:rPr lang="en-GB" sz="1800"/>
+              <a:t> per descrivere, riformulare problemi in bioinformatica</a:t>
+            </a:r>
+          </a:p>
+          <a:p>
+            <a:pPr lvl="0">
+              <a:spcBef>
+                <a:spcPts val="0"/>
+              </a:spcBef>
+              <a:buNone/>
+            </a:pPr>
+            <a:r>
+              <a:rPr b="1" lang="en-GB" sz="1800"/>
+              <a:t>Algoritmi</a:t>
+            </a:r>
+            <a:r>
+              <a:rPr lang="en-GB" sz="1800"/>
+              <a:t> Esatti, Euristici e Approssimativi</a:t>
             </a:r>
           </a:p>
         </p:txBody>
       </p:sp>
       <p:pic>
         <p:nvPicPr>
-          <p:cNvPr id="136" name="Shape 136"/>
+          <p:cNvPr id="137" name="Shape 137"/>
           <p:cNvPicPr preferRelativeResize="0"/>
           <p:nvPr/>
         </p:nvPicPr>
@@ -7751,8 +8543,8 @@
         </p:blipFill>
         <p:spPr>
           <a:xfrm>
-            <a:off x="766125" y="2259525"/>
-            <a:ext cx="2798550" cy="1360350"/>
+            <a:off x="5334675" y="2078863"/>
+            <a:ext cx="3733800" cy="1495425"/>
           </a:xfrm>
           <a:prstGeom prst="rect">
             <a:avLst/>
@@ -7763,230 +8555,6 @@
           </a:ln>
         </p:spPr>
       </p:pic>
-      <p:sp>
-        <p:nvSpPr>
-          <p:cNvPr id="137" name="Shape 137"/>
-          <p:cNvSpPr txBox="1"/>
-          <p:nvPr/>
-        </p:nvSpPr>
-        <p:spPr>
-          <a:xfrm>
-            <a:off x="621950" y="1481225"/>
-            <a:ext cx="2845200" cy="1458900"/>
-          </a:xfrm>
-          <a:prstGeom prst="rect">
-            <a:avLst/>
-          </a:prstGeom>
-          <a:noFill/>
-          <a:ln>
-            <a:noFill/>
-          </a:ln>
-        </p:spPr>
-        <p:txBody>
-          <a:bodyPr anchorCtr="0" anchor="t" bIns="91425" lIns="91425" rIns="91425" wrap="square" tIns="91425">
-            <a:noAutofit/>
-          </a:bodyPr>
-          <a:lstStyle/>
-          <a:p>
-            <a:pPr lvl="0" algn="ctr">
-              <a:spcBef>
-                <a:spcPts val="0"/>
-              </a:spcBef>
-              <a:buNone/>
-            </a:pPr>
-            <a:r>
-              <a:rPr lang="en-GB" sz="2400">
-                <a:latin typeface="PT Sans"/>
-                <a:ea typeface="PT Sans"/>
-                <a:cs typeface="PT Sans"/>
-                <a:sym typeface="PT Sans"/>
-              </a:rPr>
-              <a:t>If-Then</a:t>
-            </a:r>
-          </a:p>
-        </p:txBody>
-      </p:sp>
-      <p:pic>
-        <p:nvPicPr>
-          <p:cNvPr id="138" name="Shape 138"/>
-          <p:cNvPicPr preferRelativeResize="0"/>
-          <p:nvPr/>
-        </p:nvPicPr>
-        <p:blipFill>
-          <a:blip r:embed="rId4">
-            <a:alphaModFix/>
-          </a:blip>
-          <a:stretch>
-            <a:fillRect/>
-          </a:stretch>
-        </p:blipFill>
-        <p:spPr>
-          <a:xfrm>
-            <a:off x="5278579" y="2214497"/>
-            <a:ext cx="2539021" cy="535200"/>
-          </a:xfrm>
-          <a:prstGeom prst="rect">
-            <a:avLst/>
-          </a:prstGeom>
-          <a:noFill/>
-          <a:ln>
-            <a:noFill/>
-          </a:ln>
-        </p:spPr>
-      </p:pic>
-      <p:pic>
-        <p:nvPicPr>
-          <p:cNvPr id="139" name="Shape 139"/>
-          <p:cNvPicPr preferRelativeResize="0"/>
-          <p:nvPr/>
-        </p:nvPicPr>
-        <p:blipFill>
-          <a:blip r:embed="rId5">
-            <a:alphaModFix/>
-          </a:blip>
-          <a:stretch>
-            <a:fillRect/>
-          </a:stretch>
-        </p:blipFill>
-        <p:spPr>
-          <a:xfrm>
-            <a:off x="5264750" y="3056150"/>
-            <a:ext cx="2566674" cy="597300"/>
-          </a:xfrm>
-          <a:prstGeom prst="rect">
-            <a:avLst/>
-          </a:prstGeom>
-          <a:noFill/>
-          <a:ln>
-            <a:noFill/>
-          </a:ln>
-        </p:spPr>
-      </p:pic>
-      <p:sp>
-        <p:nvSpPr>
-          <p:cNvPr id="140" name="Shape 140"/>
-          <p:cNvSpPr txBox="1"/>
-          <p:nvPr/>
-        </p:nvSpPr>
-        <p:spPr>
-          <a:xfrm>
-            <a:off x="5125475" y="1481225"/>
-            <a:ext cx="2845200" cy="535200"/>
-          </a:xfrm>
-          <a:prstGeom prst="rect">
-            <a:avLst/>
-          </a:prstGeom>
-          <a:noFill/>
-          <a:ln>
-            <a:noFill/>
-          </a:ln>
-        </p:spPr>
-        <p:txBody>
-          <a:bodyPr anchorCtr="0" anchor="t" bIns="91425" lIns="91425" rIns="91425" wrap="square" tIns="91425">
-            <a:noAutofit/>
-          </a:bodyPr>
-          <a:lstStyle/>
-          <a:p>
-            <a:pPr lvl="0" rtl="0" algn="ctr">
-              <a:spcBef>
-                <a:spcPts val="0"/>
-              </a:spcBef>
-              <a:buNone/>
-            </a:pPr>
-            <a:r>
-              <a:rPr lang="en-GB" sz="2400">
-                <a:latin typeface="PT Sans"/>
-                <a:ea typeface="PT Sans"/>
-                <a:cs typeface="PT Sans"/>
-                <a:sym typeface="PT Sans"/>
-              </a:rPr>
-              <a:t>Only-If</a:t>
-            </a:r>
-          </a:p>
-        </p:txBody>
-      </p:sp>
-      <p:sp>
-        <p:nvSpPr>
-          <p:cNvPr id="141" name="Shape 141"/>
-          <p:cNvSpPr txBox="1"/>
-          <p:nvPr/>
-        </p:nvSpPr>
-        <p:spPr>
-          <a:xfrm>
-            <a:off x="729450" y="3959900"/>
-            <a:ext cx="7382400" cy="873900"/>
-          </a:xfrm>
-          <a:prstGeom prst="rect">
-            <a:avLst/>
-          </a:prstGeom>
-          <a:noFill/>
-          <a:ln>
-            <a:noFill/>
-          </a:ln>
-        </p:spPr>
-        <p:txBody>
-          <a:bodyPr anchorCtr="0" anchor="t" bIns="91425" lIns="91425" rIns="91425" wrap="square" tIns="91425">
-            <a:noAutofit/>
-          </a:bodyPr>
-          <a:lstStyle/>
-          <a:p>
-            <a:pPr lvl="0">
-              <a:spcBef>
-                <a:spcPts val="0"/>
-              </a:spcBef>
-              <a:buNone/>
-            </a:pPr>
-            <a:r>
-              <a:rPr lang="en-GB"/>
-              <a:t>Con </a:t>
-            </a:r>
-            <a:r>
-              <a:rPr b="1" i="1" lang="en-GB"/>
-              <a:t>L</a:t>
-            </a:r>
-            <a:r>
-              <a:rPr lang="en-GB"/>
-              <a:t> funzione lineare limitata superiormente da </a:t>
-            </a:r>
-            <a:r>
-              <a:rPr b="1" i="1" lang="en-GB"/>
-              <a:t>M, </a:t>
-            </a:r>
-            <a:r>
-              <a:rPr lang="en-GB"/>
-              <a:t>inferiormente da </a:t>
-            </a:r>
-            <a:r>
-              <a:rPr b="1" i="1" lang="en-GB"/>
-              <a:t>s </a:t>
-            </a:r>
-            <a:r>
-              <a:rPr lang="en-GB"/>
-              <a:t>con</a:t>
-            </a:r>
-            <a:r>
-              <a:rPr b="1" i="1" lang="en-GB"/>
-              <a:t> m = s - b. </a:t>
-            </a:r>
-          </a:p>
-          <a:p>
-            <a:pPr lvl="0">
-              <a:spcBef>
-                <a:spcPts val="0"/>
-              </a:spcBef>
-              <a:buNone/>
-            </a:pPr>
-            <a:r>
-              <a:rPr b="1" i="1" lang="en-GB"/>
-              <a:t>b</a:t>
-            </a:r>
-            <a:r>
-              <a:rPr lang="en-GB"/>
-              <a:t> numero positivo intero.</a:t>
-            </a:r>
-          </a:p>
-        </p:txBody>
-      </p:sp>
     </p:spTree>
   </p:cSld>
   <p:clrMapOvr>
@@ -7996,6 +8564,285 @@
 </file>
 
 <file path=ppt/theme/theme1.xml><?xml version="1.0" encoding="utf-8"?>
+<a:theme xmlns:a="http://schemas.openxmlformats.org/drawingml/2006/main" xmlns:r="http://schemas.openxmlformats.org/officeDocument/2006/relationships" name="Custom Theme">
+  <a:themeElements>
+    <a:clrScheme name="Default">
+      <a:dk1>
+        <a:srgbClr val="000000"/>
+      </a:dk1>
+      <a:lt1>
+        <a:srgbClr val="FFFFFF"/>
+      </a:lt1>
+      <a:dk2>
+        <a:srgbClr val="158158"/>
+      </a:dk2>
+      <a:lt2>
+        <a:srgbClr val="F3F3F3"/>
+      </a:lt2>
+      <a:accent1>
+        <a:srgbClr val="058DC7"/>
+      </a:accent1>
+      <a:accent2>
+        <a:srgbClr val="50B432"/>
+      </a:accent2>
+      <a:accent3>
+        <a:srgbClr val="ED561B"/>
+      </a:accent3>
+      <a:accent4>
+        <a:srgbClr val="EDEF00"/>
+      </a:accent4>
+      <a:accent5>
+        <a:srgbClr val="24CBE5"/>
+      </a:accent5>
+      <a:accent6>
+        <a:srgbClr val="64E572"/>
+      </a:accent6>
+      <a:hlink>
+        <a:srgbClr val="2200CC"/>
+      </a:hlink>
+      <a:folHlink>
+        <a:srgbClr val="551A8B"/>
+      </a:folHlink>
+    </a:clrScheme>
+    <a:fontScheme name="Office">
+      <a:majorFont>
+        <a:latin typeface="Arial"/>
+        <a:ea typeface=""/>
+        <a:cs typeface=""/>
+        <a:font script="Jpan" typeface="ＭＳ Ｐゴシック"/>
+        <a:font script="Hang" typeface="맑은 고딕"/>
+        <a:font script="Hans" typeface="宋体"/>
+        <a:font script="Hant" typeface="新細明體"/>
+        <a:font script="Arab" typeface="Times New Roman"/>
+        <a:font script="Hebr" typeface="Times New Roman"/>
+        <a:font script="Thai" typeface="Angsana New"/>
+        <a:font script="Ethi" typeface="Nyala"/>
+        <a:font script="Beng" typeface="Vrinda"/>
+        <a:font script="Gujr" typeface="Shruti"/>
+        <a:font script="Khmr" typeface="MoolBoran"/>
+        <a:font script="Knda" typeface="Tunga"/>
+        <a:font script="Guru" typeface="Raavi"/>
+        <a:font script="Cans" typeface="Euphemia"/>
+        <a:font script="Cher" typeface="Plantagenet Cherokee"/>
+        <a:font script="Yiii" typeface="Microsoft Yi Baiti"/>
+        <a:font script="Tibt" typeface="Microsoft Himalaya"/>
+        <a:font script="Thaa" typeface="MV Boli"/>
+        <a:font script="Deva" typeface="Mangal"/>
+        <a:font script="Telu" typeface="Gautami"/>
+        <a:font script="Taml" typeface="Latha"/>
+        <a:font script="Syrc" typeface="Estrangelo Edessa"/>
+        <a:font script="Orya" typeface="Kalinga"/>
+        <a:font script="Mlym" typeface="Kartika"/>
+        <a:font script="Laoo" typeface="DokChampa"/>
+        <a:font script="Sinh" typeface="Iskoola Pota"/>
+        <a:font script="Mong" typeface="Mongolian Baiti"/>
+        <a:font script="Viet" typeface="Times New Roman"/>
+        <a:font script="Uigh" typeface="Microsoft Uighur"/>
+        <a:font script="Geor" typeface="Sylfaen"/>
+      </a:majorFont>
+      <a:minorFont>
+        <a:latin typeface="Arial"/>
+        <a:ea typeface=""/>
+        <a:cs typeface=""/>
+        <a:font script="Jpan" typeface="ＭＳ Ｐゴシック"/>
+        <a:font script="Hang" typeface="맑은 고딕"/>
+        <a:font script="Hans" typeface="宋体"/>
+        <a:font script="Hant" typeface="新細明體"/>
+        <a:font script="Arab" typeface="Arial"/>
+        <a:font script="Hebr" typeface="Arial"/>
+        <a:font script="Thai" typeface="Cordia New"/>
+        <a:font script="Ethi" typeface="Nyala"/>
+        <a:font script="Beng" typeface="Vrinda"/>
+        <a:font script="Gujr" typeface="Shruti"/>
+        <a:font script="Khmr" typeface="DaunPenh"/>
+        <a:font script="Knda" typeface="Tunga"/>
+        <a:font script="Guru" typeface="Raavi"/>
+        <a:font script="Cans" typeface="Euphemia"/>
+        <a:font script="Cher" typeface="Plantagenet Cherokee"/>
+        <a:font script="Yiii" typeface="Microsoft Yi Baiti"/>
+        <a:font script="Tibt" typeface="Microsoft Himalaya"/>
+        <a:font script="Thaa" typeface="MV Boli"/>
+        <a:font script="Deva" typeface="Mangal"/>
+        <a:font script="Telu" typeface="Gautami"/>
+        <a:font script="Taml" typeface="Latha"/>
+        <a:font script="Syrc" typeface="Estrangelo Edessa"/>
+        <a:font script="Orya" typeface="Kalinga"/>
+        <a:font script="Mlym" typeface="Kartika"/>
+        <a:font script="Laoo" typeface="DokChampa"/>
+        <a:font script="Sinh" typeface="Iskoola Pota"/>
+        <a:font script="Mong" typeface="Mongolian Baiti"/>
+        <a:font script="Viet" typeface="Arial"/>
+        <a:font script="Uigh" typeface="Microsoft Uighur"/>
+        <a:font script="Geor" typeface="Sylfaen"/>
+      </a:minorFont>
+    </a:fontScheme>
+    <a:fmtScheme name="Office">
+      <a:fillStyleLst>
+        <a:solidFill>
+          <a:schemeClr val="phClr"/>
+        </a:solidFill>
+        <a:gradFill rotWithShape="1">
+          <a:gsLst>
+            <a:gs pos="0">
+              <a:schemeClr val="phClr">
+                <a:tint val="50000"/>
+                <a:satMod val="300000"/>
+              </a:schemeClr>
+            </a:gs>
+            <a:gs pos="35000">
+              <a:schemeClr val="phClr">
+                <a:tint val="37000"/>
+                <a:satMod val="300000"/>
+              </a:schemeClr>
+            </a:gs>
+            <a:gs pos="100000">
+              <a:schemeClr val="phClr">
+                <a:tint val="15000"/>
+                <a:satMod val="350000"/>
+              </a:schemeClr>
+            </a:gs>
+          </a:gsLst>
+          <a:lin ang="16200000" scaled="1"/>
+        </a:gradFill>
+        <a:gradFill rotWithShape="1">
+          <a:gsLst>
+            <a:gs pos="0">
+              <a:schemeClr val="phClr">
+                <a:tint val="100000"/>
+                <a:shade val="100000"/>
+                <a:satMod val="130000"/>
+              </a:schemeClr>
+            </a:gs>
+            <a:gs pos="100000">
+              <a:schemeClr val="phClr">
+                <a:tint val="50000"/>
+                <a:shade val="100000"/>
+                <a:satMod val="350000"/>
+              </a:schemeClr>
+            </a:gs>
+          </a:gsLst>
+          <a:lin ang="16200000" scaled="0"/>
+        </a:gradFill>
+      </a:fillStyleLst>
+      <a:lnStyleLst>
+        <a:ln w="9525" cap="flat" cmpd="sng" algn="ctr">
+          <a:solidFill>
+            <a:schemeClr val="phClr">
+              <a:shade val="95000"/>
+              <a:satMod val="105000"/>
+            </a:schemeClr>
+          </a:solidFill>
+          <a:prstDash val="solid"/>
+        </a:ln>
+        <a:ln w="25400" cap="flat" cmpd="sng" algn="ctr">
+          <a:solidFill>
+            <a:schemeClr val="phClr"/>
+          </a:solidFill>
+          <a:prstDash val="solid"/>
+        </a:ln>
+        <a:ln w="38100" cap="flat" cmpd="sng" algn="ctr">
+          <a:solidFill>
+            <a:schemeClr val="phClr"/>
+          </a:solidFill>
+          <a:prstDash val="solid"/>
+        </a:ln>
+      </a:lnStyleLst>
+      <a:effectStyleLst>
+        <a:effectStyle>
+          <a:effectLst>
+            <a:outerShdw blurRad="40000" dist="20000" dir="5400000" rotWithShape="0">
+              <a:srgbClr val="000000">
+                <a:alpha val="38000"/>
+              </a:srgbClr>
+            </a:outerShdw>
+          </a:effectLst>
+        </a:effectStyle>
+        <a:effectStyle>
+          <a:effectLst>
+            <a:outerShdw blurRad="40000" dist="23000" dir="5400000" rotWithShape="0">
+              <a:srgbClr val="000000">
+                <a:alpha val="35000"/>
+              </a:srgbClr>
+            </a:outerShdw>
+          </a:effectLst>
+        </a:effectStyle>
+        <a:effectStyle>
+          <a:effectLst>
+            <a:outerShdw blurRad="40000" dist="23000" dir="5400000" rotWithShape="0">
+              <a:srgbClr val="000000">
+                <a:alpha val="35000"/>
+              </a:srgbClr>
+            </a:outerShdw>
+          </a:effectLst>
+          <a:scene3d>
+            <a:camera prst="orthographicFront">
+              <a:rot lat="0" lon="0" rev="0"/>
+            </a:camera>
+            <a:lightRig rig="threePt" dir="t">
+              <a:rot lat="0" lon="0" rev="1200000"/>
+            </a:lightRig>
+          </a:scene3d>
+          <a:sp3d>
+            <a:bevelT w="63500" h="25400"/>
+          </a:sp3d>
+        </a:effectStyle>
+      </a:effectStyleLst>
+      <a:bgFillStyleLst>
+        <a:solidFill>
+          <a:schemeClr val="phClr"/>
+        </a:solidFill>
+        <a:gradFill rotWithShape="1">
+          <a:gsLst>
+            <a:gs pos="0">
+              <a:schemeClr val="phClr">
+                <a:tint val="40000"/>
+                <a:satMod val="350000"/>
+              </a:schemeClr>
+            </a:gs>
+            <a:gs pos="40000">
+              <a:schemeClr val="phClr">
+                <a:tint val="45000"/>
+                <a:shade val="99000"/>
+                <a:satMod val="350000"/>
+              </a:schemeClr>
+            </a:gs>
+            <a:gs pos="100000">
+              <a:schemeClr val="phClr">
+                <a:shade val="20000"/>
+                <a:satMod val="255000"/>
+              </a:schemeClr>
+            </a:gs>
+          </a:gsLst>
+          <a:path path="circle">
+            <a:fillToRect l="50000" t="-80000" r="50000" b="180000"/>
+          </a:path>
+        </a:gradFill>
+        <a:gradFill rotWithShape="1">
+          <a:gsLst>
+            <a:gs pos="0">
+              <a:schemeClr val="phClr">
+                <a:tint val="80000"/>
+                <a:satMod val="300000"/>
+              </a:schemeClr>
+            </a:gs>
+            <a:gs pos="100000">
+              <a:schemeClr val="phClr">
+                <a:shade val="30000"/>
+                <a:satMod val="200000"/>
+              </a:schemeClr>
+            </a:gs>
+          </a:gsLst>
+          <a:path path="circle">
+            <a:fillToRect l="50000" t="50000" r="50000" b="50000"/>
+          </a:path>
+        </a:gradFill>
+      </a:bgFillStyleLst>
+    </a:fmtScheme>
+  </a:themeElements>
+</a:theme>
+</file>
+
+<file path=ppt/theme/theme2.xml><?xml version="1.0" encoding="utf-8"?>
 <a:theme xmlns:a="http://schemas.openxmlformats.org/drawingml/2006/main" xmlns:r="http://schemas.openxmlformats.org/officeDocument/2006/relationships" name="Streamline">
   <a:themeElements>
     <a:clrScheme name="Streamline">
@@ -8272,283 +9119,4 @@
     </a:fmtScheme>
   </a:themeElements>
 </a:theme>
-</file>
-
-<file path=ppt/theme/theme2.xml><?xml version="1.0" encoding="utf-8"?>
-<a:theme xmlns:a="http://schemas.openxmlformats.org/drawingml/2006/main" xmlns:r="http://schemas.openxmlformats.org/officeDocument/2006/relationships" name="Custom Theme">
-  <a:themeElements>
-    <a:clrScheme name="Default">
-      <a:dk1>
-        <a:srgbClr val="000000"/>
-      </a:dk1>
-      <a:lt1>
-        <a:srgbClr val="FFFFFF"/>
-      </a:lt1>
-      <a:dk2>
-        <a:srgbClr val="158158"/>
-      </a:dk2>
-      <a:lt2>
-        <a:srgbClr val="F3F3F3"/>
-      </a:lt2>
-      <a:accent1>
-        <a:srgbClr val="058DC7"/>
-      </a:accent1>
-      <a:accent2>
-        <a:srgbClr val="50B432"/>
-      </a:accent2>
-      <a:accent3>
-        <a:srgbClr val="ED561B"/>
-      </a:accent3>
-      <a:accent4>
-        <a:srgbClr val="EDEF00"/>
-      </a:accent4>
-      <a:accent5>
-        <a:srgbClr val="24CBE5"/>
-      </a:accent5>
-      <a:accent6>
-        <a:srgbClr val="64E572"/>
-      </a:accent6>
-      <a:hlink>
-        <a:srgbClr val="2200CC"/>
-      </a:hlink>
-      <a:folHlink>
-        <a:srgbClr val="551A8B"/>
-      </a:folHlink>
-    </a:clrScheme>
-    <a:fontScheme name="Office">
-      <a:majorFont>
-        <a:latin typeface="Arial"/>
-        <a:ea typeface=""/>
-        <a:cs typeface=""/>
-        <a:font script="Jpan" typeface="ＭＳ Ｐゴシック"/>
-        <a:font script="Hang" typeface="맑은 고딕"/>
-        <a:font script="Hans" typeface="宋体"/>
-        <a:font script="Hant" typeface="新細明體"/>
-        <a:font script="Arab" typeface="Times New Roman"/>
-        <a:font script="Hebr" typeface="Times New Roman"/>
-        <a:font script="Thai" typeface="Angsana New"/>
-        <a:font script="Ethi" typeface="Nyala"/>
-        <a:font script="Beng" typeface="Vrinda"/>
-        <a:font script="Gujr" typeface="Shruti"/>
-        <a:font script="Khmr" typeface="MoolBoran"/>
-        <a:font script="Knda" typeface="Tunga"/>
-        <a:font script="Guru" typeface="Raavi"/>
-        <a:font script="Cans" typeface="Euphemia"/>
-        <a:font script="Cher" typeface="Plantagenet Cherokee"/>
-        <a:font script="Yiii" typeface="Microsoft Yi Baiti"/>
-        <a:font script="Tibt" typeface="Microsoft Himalaya"/>
-        <a:font script="Thaa" typeface="MV Boli"/>
-        <a:font script="Deva" typeface="Mangal"/>
-        <a:font script="Telu" typeface="Gautami"/>
-        <a:font script="Taml" typeface="Latha"/>
-        <a:font script="Syrc" typeface="Estrangelo Edessa"/>
-        <a:font script="Orya" typeface="Kalinga"/>
-        <a:font script="Mlym" typeface="Kartika"/>
-        <a:font script="Laoo" typeface="DokChampa"/>
-        <a:font script="Sinh" typeface="Iskoola Pota"/>
-        <a:font script="Mong" typeface="Mongolian Baiti"/>
-        <a:font script="Viet" typeface="Times New Roman"/>
-        <a:font script="Uigh" typeface="Microsoft Uighur"/>
-        <a:font script="Geor" typeface="Sylfaen"/>
-      </a:majorFont>
-      <a:minorFont>
-        <a:latin typeface="Arial"/>
-        <a:ea typeface=""/>
-        <a:cs typeface=""/>
-        <a:font script="Jpan" typeface="ＭＳ Ｐゴシック"/>
-        <a:font script="Hang" typeface="맑은 고딕"/>
-        <a:font script="Hans" typeface="宋体"/>
-        <a:font script="Hant" typeface="新細明體"/>
-        <a:font script="Arab" typeface="Arial"/>
-        <a:font script="Hebr" typeface="Arial"/>
-        <a:font script="Thai" typeface="Cordia New"/>
-        <a:font script="Ethi" typeface="Nyala"/>
-        <a:font script="Beng" typeface="Vrinda"/>
-        <a:font script="Gujr" typeface="Shruti"/>
-        <a:font script="Khmr" typeface="DaunPenh"/>
-        <a:font script="Knda" typeface="Tunga"/>
-        <a:font script="Guru" typeface="Raavi"/>
-        <a:font script="Cans" typeface="Euphemia"/>
-        <a:font script="Cher" typeface="Plantagenet Cherokee"/>
-        <a:font script="Yiii" typeface="Microsoft Yi Baiti"/>
-        <a:font script="Tibt" typeface="Microsoft Himalaya"/>
-        <a:font script="Thaa" typeface="MV Boli"/>
-        <a:font script="Deva" typeface="Mangal"/>
-        <a:font script="Telu" typeface="Gautami"/>
-        <a:font script="Taml" typeface="Latha"/>
-        <a:font script="Syrc" typeface="Estrangelo Edessa"/>
-        <a:font script="Orya" typeface="Kalinga"/>
-        <a:font script="Mlym" typeface="Kartika"/>
-        <a:font script="Laoo" typeface="DokChampa"/>
-        <a:font script="Sinh" typeface="Iskoola Pota"/>
-        <a:font script="Mong" typeface="Mongolian Baiti"/>
-        <a:font script="Viet" typeface="Arial"/>
-        <a:font script="Uigh" typeface="Microsoft Uighur"/>
-        <a:font script="Geor" typeface="Sylfaen"/>
-      </a:minorFont>
-    </a:fontScheme>
-    <a:fmtScheme name="Office">
-      <a:fillStyleLst>
-        <a:solidFill>
-          <a:schemeClr val="phClr"/>
-        </a:solidFill>
-        <a:gradFill rotWithShape="1">
-          <a:gsLst>
-            <a:gs pos="0">
-              <a:schemeClr val="phClr">
-                <a:tint val="50000"/>
-                <a:satMod val="300000"/>
-              </a:schemeClr>
-            </a:gs>
-            <a:gs pos="35000">
-              <a:schemeClr val="phClr">
-                <a:tint val="37000"/>
-                <a:satMod val="300000"/>
-              </a:schemeClr>
-            </a:gs>
-            <a:gs pos="100000">
-              <a:schemeClr val="phClr">
-                <a:tint val="15000"/>
-                <a:satMod val="350000"/>
-              </a:schemeClr>
-            </a:gs>
-          </a:gsLst>
-          <a:lin ang="16200000" scaled="1"/>
-        </a:gradFill>
-        <a:gradFill rotWithShape="1">
-          <a:gsLst>
-            <a:gs pos="0">
-              <a:schemeClr val="phClr">
-                <a:tint val="100000"/>
-                <a:shade val="100000"/>
-                <a:satMod val="130000"/>
-              </a:schemeClr>
-            </a:gs>
-            <a:gs pos="100000">
-              <a:schemeClr val="phClr">
-                <a:tint val="50000"/>
-                <a:shade val="100000"/>
-                <a:satMod val="350000"/>
-              </a:schemeClr>
-            </a:gs>
-          </a:gsLst>
-          <a:lin ang="16200000" scaled="0"/>
-        </a:gradFill>
-      </a:fillStyleLst>
-      <a:lnStyleLst>
-        <a:ln w="9525" cap="flat" cmpd="sng" algn="ctr">
-          <a:solidFill>
-            <a:schemeClr val="phClr">
-              <a:shade val="95000"/>
-              <a:satMod val="105000"/>
-            </a:schemeClr>
-          </a:solidFill>
-          <a:prstDash val="solid"/>
-        </a:ln>
-        <a:ln w="25400" cap="flat" cmpd="sng" algn="ctr">
-          <a:solidFill>
-            <a:schemeClr val="phClr"/>
-          </a:solidFill>
-          <a:prstDash val="solid"/>
-        </a:ln>
-        <a:ln w="38100" cap="flat" cmpd="sng" algn="ctr">
-          <a:solidFill>
-            <a:schemeClr val="phClr"/>
-          </a:solidFill>
-          <a:prstDash val="solid"/>
-        </a:ln>
-      </a:lnStyleLst>
-      <a:effectStyleLst>
-        <a:effectStyle>
-          <a:effectLst>
-            <a:outerShdw blurRad="40000" dist="20000" dir="5400000" rotWithShape="0">
-              <a:srgbClr val="000000">
-                <a:alpha val="38000"/>
-              </a:srgbClr>
-            </a:outerShdw>
-          </a:effectLst>
-        </a:effectStyle>
-        <a:effectStyle>
-          <a:effectLst>
-            <a:outerShdw blurRad="40000" dist="23000" dir="5400000" rotWithShape="0">
-              <a:srgbClr val="000000">
-                <a:alpha val="35000"/>
-              </a:srgbClr>
-            </a:outerShdw>
-          </a:effectLst>
-        </a:effectStyle>
-        <a:effectStyle>
-          <a:effectLst>
-            <a:outerShdw blurRad="40000" dist="23000" dir="5400000" rotWithShape="0">
-              <a:srgbClr val="000000">
-                <a:alpha val="35000"/>
-              </a:srgbClr>
-            </a:outerShdw>
-          </a:effectLst>
-          <a:scene3d>
-            <a:camera prst="orthographicFront">
-              <a:rot lat="0" lon="0" rev="0"/>
-            </a:camera>
-            <a:lightRig rig="threePt" dir="t">
-              <a:rot lat="0" lon="0" rev="1200000"/>
-            </a:lightRig>
-          </a:scene3d>
-          <a:sp3d>
-            <a:bevelT w="63500" h="25400"/>
-          </a:sp3d>
-        </a:effectStyle>
-      </a:effectStyleLst>
-      <a:bgFillStyleLst>
-        <a:solidFill>
-          <a:schemeClr val="phClr"/>
-        </a:solidFill>
-        <a:gradFill rotWithShape="1">
-          <a:gsLst>
-            <a:gs pos="0">
-              <a:schemeClr val="phClr">
-                <a:tint val="40000"/>
-                <a:satMod val="350000"/>
-              </a:schemeClr>
-            </a:gs>
-            <a:gs pos="40000">
-              <a:schemeClr val="phClr">
-                <a:tint val="45000"/>
-                <a:shade val="99000"/>
-                <a:satMod val="350000"/>
-              </a:schemeClr>
-            </a:gs>
-            <a:gs pos="100000">
-              <a:schemeClr val="phClr">
-                <a:shade val="20000"/>
-                <a:satMod val="255000"/>
-              </a:schemeClr>
-            </a:gs>
-          </a:gsLst>
-          <a:path path="circle">
-            <a:fillToRect l="50000" t="-80000" r="50000" b="180000"/>
-          </a:path>
-        </a:gradFill>
-        <a:gradFill rotWithShape="1">
-          <a:gsLst>
-            <a:gs pos="0">
-              <a:schemeClr val="phClr">
-                <a:tint val="80000"/>
-                <a:satMod val="300000"/>
-              </a:schemeClr>
-            </a:gs>
-            <a:gs pos="100000">
-              <a:schemeClr val="phClr">
-                <a:shade val="30000"/>
-                <a:satMod val="200000"/>
-              </a:schemeClr>
-            </a:gs>
-          </a:gsLst>
-          <a:path path="circle">
-            <a:fillToRect l="50000" t="50000" r="50000" b="50000"/>
-          </a:path>
-        </a:gradFill>
-      </a:bgFillStyleLst>
-    </a:fmtScheme>
-  </a:themeElements>
-</a:theme>
 </file>